--- a/Presentation/Schedule Order Page Slide.pptx
+++ b/Presentation/Schedule Order Page Slide.pptx
@@ -109,7 +109,7 @@
   </p:defaultTextStyle>
   <p:extLst>
     <p:ext uri="{EFAFB233-063F-42B5-8137-9DF3F51BA10A}">
-      <p15:sldGuideLst xmlns:p15="http://schemas.microsoft.com/office/powerpoint/2012/main" xmlns="">
+      <p15:sldGuideLst xmlns="" xmlns:p15="http://schemas.microsoft.com/office/powerpoint/2012/main">
         <p15:guide id="1" orient="horz" pos="2160">
           <p15:clr>
             <a:srgbClr val="A4A3A4"/>
@@ -124,146 +124,6 @@
     </p:ext>
   </p:extLst>
 </p:presentation>
-</file>
-
-<file path=ppt/charts/chart1.xml><?xml version="1.0" encoding="utf-8"?>
-<c:chartSpace xmlns:c="http://schemas.openxmlformats.org/drawingml/2006/chart" xmlns:a="http://schemas.openxmlformats.org/drawingml/2006/main" xmlns:r="http://schemas.openxmlformats.org/officeDocument/2006/relationships">
-  <c:date1904 val="0"/>
-  <c:lang val="en-GB"/>
-  <c:roundedCorners val="0"/>
-  <mc:AlternateContent xmlns:mc="http://schemas.openxmlformats.org/markup-compatibility/2006">
-    <mc:Choice xmlns:c14="http://schemas.microsoft.com/office/drawing/2007/8/2/chart" Requires="c14">
-      <c14:style val="102"/>
-    </mc:Choice>
-    <mc:Fallback>
-      <c:style val="2"/>
-    </mc:Fallback>
-  </mc:AlternateContent>
-  <c:chart>
-    <c:autoTitleDeleted val="0"/>
-    <c:plotArea>
-      <c:layout>
-        <c:manualLayout>
-          <c:layoutTarget val="inner"/>
-          <c:xMode val="edge"/>
-          <c:yMode val="edge"/>
-          <c:x val="7.2621787658216017E-2"/>
-          <c:y val="2.7002666400944057E-2"/>
-          <c:w val="0.91203143222925831"/>
-          <c:h val="0.89691889051052942"/>
-        </c:manualLayout>
-      </c:layout>
-      <c:barChart>
-        <c:barDir val="col"/>
-        <c:grouping val="clustered"/>
-        <c:varyColors val="0"/>
-        <c:ser>
-          <c:idx val="0"/>
-          <c:order val="0"/>
-          <c:invertIfNegative val="0"/>
-          <c:cat>
-            <c:strRef>
-              <c:f>'Test Cases'!$T$43:$T$47</c:f>
-              <c:strCache>
-                <c:ptCount val="5"/>
-                <c:pt idx="0">
-                  <c:v>Minor </c:v>
-                </c:pt>
-                <c:pt idx="1">
-                  <c:v>Moderate</c:v>
-                </c:pt>
-                <c:pt idx="2">
-                  <c:v>Major </c:v>
-                </c:pt>
-                <c:pt idx="3">
-                  <c:v>Critical</c:v>
-                </c:pt>
-                <c:pt idx="4">
-                  <c:v>Cosmetic</c:v>
-                </c:pt>
-              </c:strCache>
-            </c:strRef>
-          </c:cat>
-          <c:val>
-            <c:numRef>
-              <c:f>'Test Cases'!$U$43:$U$47</c:f>
-              <c:numCache>
-                <c:formatCode>General</c:formatCode>
-                <c:ptCount val="5"/>
-                <c:pt idx="0">
-                  <c:v>0</c:v>
-                </c:pt>
-                <c:pt idx="1">
-                  <c:v>1</c:v>
-                </c:pt>
-                <c:pt idx="2">
-                  <c:v>7</c:v>
-                </c:pt>
-                <c:pt idx="3">
-                  <c:v>4</c:v>
-                </c:pt>
-                <c:pt idx="4">
-                  <c:v>0</c:v>
-                </c:pt>
-              </c:numCache>
-            </c:numRef>
-          </c:val>
-        </c:ser>
-        <c:dLbls>
-          <c:showLegendKey val="0"/>
-          <c:showVal val="0"/>
-          <c:showCatName val="0"/>
-          <c:showSerName val="0"/>
-          <c:showPercent val="0"/>
-          <c:showBubbleSize val="0"/>
-        </c:dLbls>
-        <c:gapWidth val="150"/>
-        <c:axId val="51601408"/>
-        <c:axId val="51602944"/>
-      </c:barChart>
-      <c:catAx>
-        <c:axId val="51601408"/>
-        <c:scaling>
-          <c:orientation val="minMax"/>
-        </c:scaling>
-        <c:delete val="0"/>
-        <c:axPos val="b"/>
-        <c:numFmt formatCode="General" sourceLinked="0"/>
-        <c:majorTickMark val="out"/>
-        <c:minorTickMark val="none"/>
-        <c:tickLblPos val="nextTo"/>
-        <c:crossAx val="51602944"/>
-        <c:crosses val="autoZero"/>
-        <c:auto val="1"/>
-        <c:lblAlgn val="ctr"/>
-        <c:lblOffset val="100"/>
-        <c:noMultiLvlLbl val="0"/>
-      </c:catAx>
-      <c:valAx>
-        <c:axId val="51602944"/>
-        <c:scaling>
-          <c:orientation val="minMax"/>
-        </c:scaling>
-        <c:delete val="0"/>
-        <c:axPos val="l"/>
-        <c:majorGridlines/>
-        <c:numFmt formatCode="General" sourceLinked="1"/>
-        <c:majorTickMark val="out"/>
-        <c:minorTickMark val="none"/>
-        <c:tickLblPos val="nextTo"/>
-        <c:crossAx val="51601408"/>
-        <c:crosses val="autoZero"/>
-        <c:crossBetween val="between"/>
-      </c:valAx>
-    </c:plotArea>
-    <c:plotVisOnly val="1"/>
-    <c:dispBlanksAs val="gap"/>
-    <c:showDLblsOverMax val="0"/>
-  </c:chart>
-  <c:externalData r:id="rId1">
-    <c:autoUpdate val="0"/>
-  </c:externalData>
-</c:chartSpace>
 </file>
 
 <file path=ppt/notesMasters/notesMaster1.xml><?xml version="1.0" encoding="utf-8"?>
@@ -348,7 +208,7 @@
           <a:p>
             <a:fld id="{02F37AD8-3A09-4B9C-9CD0-E2E2E7DDA9E0}" type="datetimeFigureOut">
               <a:rPr lang="en-GB" smtClean="0"/>
-              <a:t>27/04/2015</a:t>
+              <a:t>28/04/2015</a:t>
             </a:fld>
             <a:endParaRPr lang="en-GB"/>
           </a:p>
@@ -881,7 +741,7 @@
           <a:p>
             <a:fld id="{D491E474-BD87-4AD1-84BA-5FFCA1F5A666}" type="datetimeFigureOut">
               <a:rPr lang="en-GB" smtClean="0"/>
-              <a:t>27/04/2015</a:t>
+              <a:t>28/04/2015</a:t>
             </a:fld>
             <a:endParaRPr lang="en-GB"/>
           </a:p>
@@ -1051,7 +911,7 @@
           <a:p>
             <a:fld id="{D491E474-BD87-4AD1-84BA-5FFCA1F5A666}" type="datetimeFigureOut">
               <a:rPr lang="en-GB" smtClean="0"/>
-              <a:t>27/04/2015</a:t>
+              <a:t>28/04/2015</a:t>
             </a:fld>
             <a:endParaRPr lang="en-GB"/>
           </a:p>
@@ -1231,7 +1091,7 @@
           <a:p>
             <a:fld id="{D491E474-BD87-4AD1-84BA-5FFCA1F5A666}" type="datetimeFigureOut">
               <a:rPr lang="en-GB" smtClean="0"/>
-              <a:t>27/04/2015</a:t>
+              <a:t>28/04/2015</a:t>
             </a:fld>
             <a:endParaRPr lang="en-GB"/>
           </a:p>
@@ -1401,7 +1261,7 @@
           <a:p>
             <a:fld id="{D491E474-BD87-4AD1-84BA-5FFCA1F5A666}" type="datetimeFigureOut">
               <a:rPr lang="en-GB" smtClean="0"/>
-              <a:t>27/04/2015</a:t>
+              <a:t>28/04/2015</a:t>
             </a:fld>
             <a:endParaRPr lang="en-GB"/>
           </a:p>
@@ -1647,7 +1507,7 @@
           <a:p>
             <a:fld id="{D491E474-BD87-4AD1-84BA-5FFCA1F5A666}" type="datetimeFigureOut">
               <a:rPr lang="en-GB" smtClean="0"/>
-              <a:t>27/04/2015</a:t>
+              <a:t>28/04/2015</a:t>
             </a:fld>
             <a:endParaRPr lang="en-GB"/>
           </a:p>
@@ -1935,7 +1795,7 @@
           <a:p>
             <a:fld id="{D491E474-BD87-4AD1-84BA-5FFCA1F5A666}" type="datetimeFigureOut">
               <a:rPr lang="en-GB" smtClean="0"/>
-              <a:t>27/04/2015</a:t>
+              <a:t>28/04/2015</a:t>
             </a:fld>
             <a:endParaRPr lang="en-GB"/>
           </a:p>
@@ -2357,7 +2217,7 @@
           <a:p>
             <a:fld id="{D491E474-BD87-4AD1-84BA-5FFCA1F5A666}" type="datetimeFigureOut">
               <a:rPr lang="en-GB" smtClean="0"/>
-              <a:t>27/04/2015</a:t>
+              <a:t>28/04/2015</a:t>
             </a:fld>
             <a:endParaRPr lang="en-GB"/>
           </a:p>
@@ -2475,7 +2335,7 @@
           <a:p>
             <a:fld id="{D491E474-BD87-4AD1-84BA-5FFCA1F5A666}" type="datetimeFigureOut">
               <a:rPr lang="en-GB" smtClean="0"/>
-              <a:t>27/04/2015</a:t>
+              <a:t>28/04/2015</a:t>
             </a:fld>
             <a:endParaRPr lang="en-GB"/>
           </a:p>
@@ -2570,7 +2430,7 @@
           <a:p>
             <a:fld id="{D491E474-BD87-4AD1-84BA-5FFCA1F5A666}" type="datetimeFigureOut">
               <a:rPr lang="en-GB" smtClean="0"/>
-              <a:t>27/04/2015</a:t>
+              <a:t>28/04/2015</a:t>
             </a:fld>
             <a:endParaRPr lang="en-GB"/>
           </a:p>
@@ -2847,7 +2707,7 @@
           <a:p>
             <a:fld id="{D491E474-BD87-4AD1-84BA-5FFCA1F5A666}" type="datetimeFigureOut">
               <a:rPr lang="en-GB" smtClean="0"/>
-              <a:t>27/04/2015</a:t>
+              <a:t>28/04/2015</a:t>
             </a:fld>
             <a:endParaRPr lang="en-GB"/>
           </a:p>
@@ -3100,7 +2960,7 @@
           <a:p>
             <a:fld id="{D491E474-BD87-4AD1-84BA-5FFCA1F5A666}" type="datetimeFigureOut">
               <a:rPr lang="en-GB" smtClean="0"/>
-              <a:t>27/04/2015</a:t>
+              <a:t>28/04/2015</a:t>
             </a:fld>
             <a:endParaRPr lang="en-GB"/>
           </a:p>
@@ -3313,7 +3173,7 @@
           <a:p>
             <a:fld id="{D491E474-BD87-4AD1-84BA-5FFCA1F5A666}" type="datetimeFigureOut">
               <a:rPr lang="en-GB" smtClean="0"/>
-              <a:t>27/04/2015</a:t>
+              <a:t>28/04/2015</a:t>
             </a:fld>
             <a:endParaRPr lang="en-GB"/>
           </a:p>
@@ -3700,7 +3560,7 @@
         </p:nvSpPr>
         <p:spPr>
           <a:xfrm>
-            <a:off x="467544" y="188640"/>
+            <a:off x="323528" y="0"/>
             <a:ext cx="8229600" cy="1143000"/>
           </a:xfrm>
         </p:spPr>
@@ -3710,15 +3570,7 @@
           <a:p>
             <a:r>
               <a:rPr lang="en-GB" dirty="0" smtClean="0"/>
-              <a:t>Schedule Order</a:t>
-            </a:r>
-            <a:r>
-              <a:rPr lang="en-GB" dirty="0" smtClean="0"/>
-              <a:t> </a:t>
-            </a:r>
-            <a:r>
-              <a:rPr lang="en-GB" dirty="0" smtClean="0"/>
-              <a:t>Page</a:t>
+              <a:t>Schedule Order Page</a:t>
             </a:r>
             <a:endParaRPr lang="en-GB" dirty="0"/>
           </a:p>
@@ -3736,7 +3588,7 @@
         </p:nvSpPr>
         <p:spPr>
           <a:xfrm>
-            <a:off x="323528" y="1478851"/>
+            <a:off x="323528" y="1052736"/>
             <a:ext cx="8136904" cy="4536504"/>
           </a:xfrm>
         </p:spPr>
@@ -3747,19 +3599,16 @@
           <a:lstStyle/>
           <a:p>
             <a:r>
-              <a:rPr lang="en-GB" sz="2200" dirty="0"/>
-              <a:t>1 Moderate, 7 Major, 4 Critical </a:t>
-            </a:r>
-            <a:r>
               <a:rPr lang="en-GB" sz="2200" dirty="0" smtClean="0"/>
-              <a:t>defects</a:t>
-            </a:r>
-            <a:endParaRPr lang="en-GB" sz="2200" dirty="0" smtClean="0"/>
-          </a:p>
-          <a:p>
+              <a:t>Critical </a:t>
+            </a:r>
             <a:r>
               <a:rPr lang="en-GB" sz="2200" dirty="0" smtClean="0"/>
-              <a:t>Critical defects were caused by the order validation button still working after trying to order beyond the limit of one week in the ‘Later Service’</a:t>
+              <a:t>defects were caused by the order validation button still working after trying to order beyond the limit of one </a:t>
+            </a:r>
+            <a:r>
+              <a:rPr lang="en-GB" sz="2200" dirty="0" smtClean="0"/>
+              <a:t>week</a:t>
             </a:r>
           </a:p>
           <a:p>
@@ -3788,14 +3637,13 @@
               <a:rPr lang="en-GB" sz="2200" dirty="0" smtClean="0"/>
               <a:t>     the pop up boxes would cause ‘time </a:t>
             </a:r>
-          </a:p>
-          <a:p>
-            <a:pPr marL="0" indent="0">
-              <a:buNone/>
-            </a:pPr>
             <a:r>
               <a:rPr lang="en-GB" sz="2200" dirty="0" smtClean="0"/>
-              <a:t>      outs’ before moving onto the next page</a:t>
+              <a:t>outs</a:t>
+            </a:r>
+            <a:r>
+              <a:rPr lang="en-GB" sz="2200" dirty="0" smtClean="0"/>
+              <a:t>’ </a:t>
             </a:r>
           </a:p>
           <a:p>
@@ -3857,8 +3705,10 @@
       </p:sp>
       <p:pic>
         <p:nvPicPr>
-          <p:cNvPr id="5" name="Picture 4"/>
-          <p:cNvPicPr/>
+          <p:cNvPr id="1026" name="Picture 2"/>
+          <p:cNvPicPr>
+            <a:picLocks noChangeAspect="1" noChangeArrowheads="1"/>
+          </p:cNvPicPr>
           <p:nvPr/>
         </p:nvPicPr>
         <p:blipFill>
@@ -3869,44 +3719,98 @@
               </a:ext>
             </a:extLst>
           </a:blip>
+          <a:srcRect/>
           <a:stretch>
             <a:fillRect/>
           </a:stretch>
         </p:blipFill>
-        <p:spPr>
+        <p:spPr bwMode="auto">
           <a:xfrm>
-            <a:off x="1619672" y="5517232"/>
-            <a:ext cx="2659380" cy="1057910"/>
+            <a:off x="6012159" y="2687966"/>
+            <a:ext cx="2949129" cy="2879031"/>
           </a:xfrm>
           <a:prstGeom prst="rect">
             <a:avLst/>
           </a:prstGeom>
+          <a:noFill/>
+          <a:ln>
+            <a:noFill/>
+          </a:ln>
+          <a:extLst>
+            <a:ext uri="{909E8E84-426E-40DD-AFC4-6F175D3DCCD1}">
+              <a14:hiddenFill xmlns:a14="http://schemas.microsoft.com/office/drawing/2010/main">
+                <a:solidFill>
+                  <a:schemeClr val="accent1"/>
+                </a:solidFill>
+              </a14:hiddenFill>
+            </a:ext>
+            <a:ext uri="{91240B29-F687-4F45-9708-019B960494DF}">
+              <a14:hiddenLine xmlns:a14="http://schemas.microsoft.com/office/drawing/2010/main" w="9525">
+                <a:solidFill>
+                  <a:schemeClr val="tx1"/>
+                </a:solidFill>
+                <a:miter lim="800000"/>
+                <a:headEnd/>
+                <a:tailEnd/>
+              </a14:hiddenLine>
+            </a:ext>
+          </a:extLst>
         </p:spPr>
       </p:pic>
-      <p:graphicFrame>
-        <p:nvGraphicFramePr>
-          <p:cNvPr id="9" name="Chart 8"/>
-          <p:cNvGraphicFramePr>
-            <a:graphicFrameLocks/>
-          </p:cNvGraphicFramePr>
-          <p:nvPr>
-            <p:extLst>
-              <p:ext uri="{D42A27DB-BD31-4B8C-83A1-F6EECF244321}">
-                <p14:modId xmlns:p14="http://schemas.microsoft.com/office/powerpoint/2010/main" val="3758852814"/>
-              </p:ext>
-            </p:extLst>
-          </p:nvPr>
-        </p:nvGraphicFramePr>
-        <p:xfrm>
-          <a:off x="5940152" y="3645024"/>
-          <a:ext cx="2941390" cy="2870161"/>
-        </p:xfrm>
-        <a:graphic>
-          <a:graphicData uri="http://schemas.openxmlformats.org/drawingml/2006/chart">
-            <c:chart xmlns:c="http://schemas.openxmlformats.org/drawingml/2006/chart" xmlns:r="http://schemas.openxmlformats.org/officeDocument/2006/relationships" r:id="rId4"/>
-          </a:graphicData>
-        </a:graphic>
-      </p:graphicFrame>
+      <p:pic>
+        <p:nvPicPr>
+          <p:cNvPr id="1028" name="Picture 4"/>
+          <p:cNvPicPr>
+            <a:picLocks noChangeAspect="1" noChangeArrowheads="1"/>
+          </p:cNvPicPr>
+          <p:nvPr/>
+        </p:nvPicPr>
+        <p:blipFill>
+          <a:blip r:embed="rId4" cstate="print">
+            <a:extLst>
+              <a:ext uri="{28A0092B-C50C-407E-A947-70E740481C1C}">
+                <a14:useLocalDpi xmlns:a14="http://schemas.microsoft.com/office/drawing/2010/main" val="0"/>
+              </a:ext>
+            </a:extLst>
+          </a:blip>
+          <a:srcRect/>
+          <a:stretch>
+            <a:fillRect/>
+          </a:stretch>
+        </p:blipFill>
+        <p:spPr bwMode="auto">
+          <a:xfrm>
+            <a:off x="323528" y="4115710"/>
+            <a:ext cx="5460670" cy="2443459"/>
+          </a:xfrm>
+          <a:prstGeom prst="rect">
+            <a:avLst/>
+          </a:prstGeom>
+          <a:noFill/>
+          <a:ln>
+            <a:noFill/>
+          </a:ln>
+          <a:extLst>
+            <a:ext uri="{909E8E84-426E-40DD-AFC4-6F175D3DCCD1}">
+              <a14:hiddenFill xmlns:a14="http://schemas.microsoft.com/office/drawing/2010/main">
+                <a:solidFill>
+                  <a:schemeClr val="accent1"/>
+                </a:solidFill>
+              </a14:hiddenFill>
+            </a:ext>
+            <a:ext uri="{91240B29-F687-4F45-9708-019B960494DF}">
+              <a14:hiddenLine xmlns:a14="http://schemas.microsoft.com/office/drawing/2010/main" w="9525">
+                <a:solidFill>
+                  <a:schemeClr val="tx1"/>
+                </a:solidFill>
+                <a:miter lim="800000"/>
+                <a:headEnd/>
+                <a:tailEnd/>
+              </a14:hiddenLine>
+            </a:ext>
+          </a:extLst>
+        </p:spPr>
+      </p:pic>
     </p:spTree>
     <p:extLst>
       <p:ext uri="{BB962C8B-B14F-4D97-AF65-F5344CB8AC3E}">
@@ -4460,7 +4364,7 @@
   <a:extraClrSchemeLst/>
   <a:extLst>
     <a:ext uri="{05A4C25C-085E-4340-85A3-A5531E510DB2}">
-      <thm15:themeFamily xmlns:thm15="http://schemas.microsoft.com/office/thememl/2012/main" xmlns="" name="Office Theme" id="{62F939B6-93AF-4DB8-9C6B-D6C7DFDC589F}" vid="{4A3C46E8-61CC-4603-A589-7422A47A8E4A}"/>
+      <thm15:themeFamily xmlns="" xmlns:thm15="http://schemas.microsoft.com/office/thememl/2012/main" name="Office Theme" id="{62F939B6-93AF-4DB8-9C6B-D6C7DFDC589F}" vid="{4A3C46E8-61CC-4603-A589-7422A47A8E4A}"/>
     </a:ext>
   </a:extLst>
 </a:theme>
